--- a/Image/compressed_format.pptx
+++ b/Image/compressed_format.pptx
@@ -104,6 +104,11 @@
       </a:defRPr>
     </a:lvl9pPr>
   </p:defaultTextStyle>
+  <p:extLst>
+    <p:ext uri="{EFAFB233-063F-42B5-8137-9DF3F51BA10A}">
+      <p15:sldGuideLst xmlns:p15="http://schemas.microsoft.com/office/powerpoint/2012/main"/>
+    </p:ext>
+  </p:extLst>
 </p:presentation>
 </file>
 
@@ -256,7 +261,7 @@
           <a:p>
             <a:fld id="{198B8280-9A1D-417E-80EC-9F93744C4DF7}" type="datetimeFigureOut">
               <a:rPr lang="fr-BE" smtClean="0"/>
-              <a:t>08-08-20</a:t>
+              <a:t>16-08-20</a:t>
             </a:fld>
             <a:endParaRPr lang="fr-BE"/>
           </a:p>
@@ -456,7 +461,7 @@
           <a:p>
             <a:fld id="{198B8280-9A1D-417E-80EC-9F93744C4DF7}" type="datetimeFigureOut">
               <a:rPr lang="fr-BE" smtClean="0"/>
-              <a:t>08-08-20</a:t>
+              <a:t>16-08-20</a:t>
             </a:fld>
             <a:endParaRPr lang="fr-BE"/>
           </a:p>
@@ -666,7 +671,7 @@
           <a:p>
             <a:fld id="{198B8280-9A1D-417E-80EC-9F93744C4DF7}" type="datetimeFigureOut">
               <a:rPr lang="fr-BE" smtClean="0"/>
-              <a:t>08-08-20</a:t>
+              <a:t>16-08-20</a:t>
             </a:fld>
             <a:endParaRPr lang="fr-BE"/>
           </a:p>
@@ -866,7 +871,7 @@
           <a:p>
             <a:fld id="{198B8280-9A1D-417E-80EC-9F93744C4DF7}" type="datetimeFigureOut">
               <a:rPr lang="fr-BE" smtClean="0"/>
-              <a:t>08-08-20</a:t>
+              <a:t>16-08-20</a:t>
             </a:fld>
             <a:endParaRPr lang="fr-BE"/>
           </a:p>
@@ -1142,7 +1147,7 @@
           <a:p>
             <a:fld id="{198B8280-9A1D-417E-80EC-9F93744C4DF7}" type="datetimeFigureOut">
               <a:rPr lang="fr-BE" smtClean="0"/>
-              <a:t>08-08-20</a:t>
+              <a:t>16-08-20</a:t>
             </a:fld>
             <a:endParaRPr lang="fr-BE"/>
           </a:p>
@@ -1410,7 +1415,7 @@
           <a:p>
             <a:fld id="{198B8280-9A1D-417E-80EC-9F93744C4DF7}" type="datetimeFigureOut">
               <a:rPr lang="fr-BE" smtClean="0"/>
-              <a:t>08-08-20</a:t>
+              <a:t>16-08-20</a:t>
             </a:fld>
             <a:endParaRPr lang="fr-BE"/>
           </a:p>
@@ -1825,7 +1830,7 @@
           <a:p>
             <a:fld id="{198B8280-9A1D-417E-80EC-9F93744C4DF7}" type="datetimeFigureOut">
               <a:rPr lang="fr-BE" smtClean="0"/>
-              <a:t>08-08-20</a:t>
+              <a:t>16-08-20</a:t>
             </a:fld>
             <a:endParaRPr lang="fr-BE"/>
           </a:p>
@@ -1967,7 +1972,7 @@
           <a:p>
             <a:fld id="{198B8280-9A1D-417E-80EC-9F93744C4DF7}" type="datetimeFigureOut">
               <a:rPr lang="fr-BE" smtClean="0"/>
-              <a:t>08-08-20</a:t>
+              <a:t>16-08-20</a:t>
             </a:fld>
             <a:endParaRPr lang="fr-BE"/>
           </a:p>
@@ -2080,7 +2085,7 @@
           <a:p>
             <a:fld id="{198B8280-9A1D-417E-80EC-9F93744C4DF7}" type="datetimeFigureOut">
               <a:rPr lang="fr-BE" smtClean="0"/>
-              <a:t>08-08-20</a:t>
+              <a:t>16-08-20</a:t>
             </a:fld>
             <a:endParaRPr lang="fr-BE"/>
           </a:p>
@@ -2393,7 +2398,7 @@
           <a:p>
             <a:fld id="{198B8280-9A1D-417E-80EC-9F93744C4DF7}" type="datetimeFigureOut">
               <a:rPr lang="fr-BE" smtClean="0"/>
-              <a:t>08-08-20</a:t>
+              <a:t>16-08-20</a:t>
             </a:fld>
             <a:endParaRPr lang="fr-BE"/>
           </a:p>
@@ -2682,7 +2687,7 @@
           <a:p>
             <a:fld id="{198B8280-9A1D-417E-80EC-9F93744C4DF7}" type="datetimeFigureOut">
               <a:rPr lang="fr-BE" smtClean="0"/>
-              <a:t>08-08-20</a:t>
+              <a:t>16-08-20</a:t>
             </a:fld>
             <a:endParaRPr lang="fr-BE"/>
           </a:p>
@@ -2925,7 +2930,7 @@
           <a:p>
             <a:fld id="{198B8280-9A1D-417E-80EC-9F93744C4DF7}" type="datetimeFigureOut">
               <a:rPr lang="fr-BE" smtClean="0"/>
-              <a:t>08-08-20</a:t>
+              <a:t>16-08-20</a:t>
             </a:fld>
             <a:endParaRPr lang="fr-BE"/>
           </a:p>
@@ -4342,8 +4347,8 @@
           </a:fontRef>
         </p:style>
       </p:cxnSp>
-      <mc:AlternateContent xmlns:mc="http://schemas.openxmlformats.org/markup-compatibility/2006">
-        <mc:Choice xmlns:a14="http://schemas.microsoft.com/office/drawing/2010/main" Requires="a14">
+      <mc:AlternateContent xmlns:mc="http://schemas.openxmlformats.org/markup-compatibility/2006" xmlns:a14="http://schemas.microsoft.com/office/drawing/2010/main">
+        <mc:Choice Requires="a14">
           <p:sp>
             <p:nvSpPr>
               <p:cNvPr id="43" name="ZoneTexte 42">
@@ -4372,6 +4377,7 @@
               </a:bodyPr>
               <a:lstStyle/>
               <a:p>
+                <a:pPr/>
                 <a14:m>
                   <m:oMathPara xmlns:m="http://schemas.openxmlformats.org/officeDocument/2006/math">
                     <m:oMathParaPr>
@@ -4411,7 +4417,7 @@
             </p:txBody>
           </p:sp>
         </mc:Choice>
-        <mc:Fallback>
+        <mc:Fallback xmlns="">
           <p:sp>
             <p:nvSpPr>
               <p:cNvPr id="43" name="ZoneTexte 42">
@@ -4456,8 +4462,8 @@
           </p:sp>
         </mc:Fallback>
       </mc:AlternateContent>
-      <mc:AlternateContent xmlns:mc="http://schemas.openxmlformats.org/markup-compatibility/2006">
-        <mc:Choice xmlns:a14="http://schemas.microsoft.com/office/drawing/2010/main" Requires="a14">
+      <mc:AlternateContent xmlns:mc="http://schemas.openxmlformats.org/markup-compatibility/2006" xmlns:a14="http://schemas.microsoft.com/office/drawing/2010/main">
+        <mc:Choice Requires="a14">
           <p:sp>
             <p:nvSpPr>
               <p:cNvPr id="45" name="ZoneTexte 44">
@@ -4526,7 +4532,7 @@
             </p:txBody>
           </p:sp>
         </mc:Choice>
-        <mc:Fallback>
+        <mc:Fallback xmlns="">
           <p:sp>
             <p:nvSpPr>
               <p:cNvPr id="45" name="ZoneTexte 44">
@@ -4571,8 +4577,8 @@
           </p:sp>
         </mc:Fallback>
       </mc:AlternateContent>
-      <mc:AlternateContent xmlns:mc="http://schemas.openxmlformats.org/markup-compatibility/2006">
-        <mc:Choice xmlns:a14="http://schemas.microsoft.com/office/drawing/2010/main" Requires="a14">
+      <mc:AlternateContent xmlns:mc="http://schemas.openxmlformats.org/markup-compatibility/2006" xmlns:a14="http://schemas.microsoft.com/office/drawing/2010/main">
+        <mc:Choice Requires="a14">
           <p:sp>
             <p:nvSpPr>
               <p:cNvPr id="47" name="ZoneTexte 46">
@@ -4641,7 +4647,7 @@
             </p:txBody>
           </p:sp>
         </mc:Choice>
-        <mc:Fallback>
+        <mc:Fallback xmlns="">
           <p:sp>
             <p:nvSpPr>
               <p:cNvPr id="47" name="ZoneTexte 46">
@@ -4686,8 +4692,8 @@
           </p:sp>
         </mc:Fallback>
       </mc:AlternateContent>
-      <mc:AlternateContent xmlns:mc="http://schemas.openxmlformats.org/markup-compatibility/2006">
-        <mc:Choice xmlns:a14="http://schemas.microsoft.com/office/drawing/2010/main" Requires="a14">
+      <mc:AlternateContent xmlns:mc="http://schemas.openxmlformats.org/markup-compatibility/2006" xmlns:a14="http://schemas.microsoft.com/office/drawing/2010/main">
+        <mc:Choice Requires="a14">
           <p:sp>
             <p:nvSpPr>
               <p:cNvPr id="49" name="ZoneTexte 48">
@@ -4756,7 +4762,7 @@
             </p:txBody>
           </p:sp>
         </mc:Choice>
-        <mc:Fallback>
+        <mc:Fallback xmlns="">
           <p:sp>
             <p:nvSpPr>
               <p:cNvPr id="49" name="ZoneTexte 48">
@@ -4830,52 +4836,12 @@
           <a:lstStyle/>
           <a:p>
             <a:r>
-              <a:rPr lang="fr-FR" dirty="0"/>
-              <a:t>The </a:t>
-            </a:r>
-            <a:r>
-              <a:rPr lang="fr-FR" dirty="0" err="1"/>
-              <a:t>compressed</a:t>
-            </a:r>
-            <a:r>
-              <a:rPr lang="fr-FR" dirty="0"/>
-              <a:t> </a:t>
-            </a:r>
-            <a:r>
-              <a:rPr lang="fr-FR" dirty="0" err="1"/>
-              <a:t>representation</a:t>
-            </a:r>
-            <a:r>
-              <a:rPr lang="fr-FR" dirty="0"/>
-              <a:t> of the </a:t>
-            </a:r>
-            <a:r>
-              <a:rPr lang="fr-FR" dirty="0" err="1"/>
-              <a:t>above</a:t>
-            </a:r>
-            <a:r>
-              <a:rPr lang="fr-FR" dirty="0"/>
-              <a:t> </a:t>
-            </a:r>
-            <a:r>
-              <a:rPr lang="fr-FR" dirty="0" err="1"/>
-              <a:t>sparse</a:t>
-            </a:r>
-            <a:r>
-              <a:rPr lang="fr-FR" dirty="0"/>
-              <a:t> kernel </a:t>
-            </a:r>
-            <a:r>
-              <a:rPr lang="fr-FR" dirty="0" err="1"/>
-              <a:t>is</a:t>
-            </a:r>
-            <a:r>
-              <a:rPr lang="fr-FR" dirty="0"/>
-              <a:t>:</a:t>
-            </a:r>
-          </a:p>
-          <a:p>
-            <a:endParaRPr lang="fr-FR" dirty="0"/>
+              <a:rPr lang="en-US" dirty="0"/>
+              <a:t>The compressed representation of the above sparse kernel is:</a:t>
+            </a:r>
+          </a:p>
+          <a:p>
+            <a:endParaRPr lang="en-US" dirty="0"/>
           </a:p>
           <a:p>
             <a:pPr marL="285750" indent="-285750">
@@ -4883,19 +4849,19 @@
               <a:buChar char="•"/>
             </a:pPr>
             <a:r>
-              <a:rPr lang="fr-FR" dirty="0"/>
+              <a:rPr lang="en-US" dirty="0"/>
               <a:t>Val =</a:t>
             </a:r>
           </a:p>
           <a:p>
-            <a:endParaRPr lang="fr-FR" dirty="0"/>
+            <a:endParaRPr lang="en-US" dirty="0"/>
           </a:p>
           <a:p>
             <a:pPr marL="285750" indent="-285750">
               <a:buFont typeface="Arial" panose="020B0604020202020204" pitchFamily="34" charset="0"/>
               <a:buChar char="•"/>
             </a:pPr>
-            <a:endParaRPr lang="fr-FR" dirty="0"/>
+            <a:endParaRPr lang="en-US" dirty="0"/>
           </a:p>
           <a:p>
             <a:pPr marL="285750" indent="-285750">
@@ -4903,10 +4869,9 @@
               <a:buChar char="•"/>
             </a:pPr>
             <a:r>
-              <a:rPr lang="fr-FR" dirty="0"/>
+              <a:rPr lang="en-US" dirty="0"/>
               <a:t>Position = </a:t>
             </a:r>
-            <a:endParaRPr lang="fr-BE" dirty="0"/>
           </a:p>
         </p:txBody>
       </p:sp>
